--- a/ppt 16-9/1359.耶和华靠近.pptx
+++ b/ppt 16-9/1359.耶和华靠近.pptx
@@ -5,7 +5,7 @@
     <p:sldMasterId id="2147483648" r:id="rId1"/>
   </p:sldMasterIdLst>
   <p:sldIdLst>
-    <p:sldId id="924" r:id="rId2"/>
+    <p:sldId id="925" r:id="rId2"/>
   </p:sldIdLst>
   <p:sldSz cx="12192000" cy="6858000"/>
   <p:notesSz cx="6858000" cy="9144000"/>
@@ -129,7 +129,7 @@
           <p:cNvPr id="2" name="标题 1">
             <a:extLst>
               <a:ext uri="{FF2B5EF4-FFF2-40B4-BE49-F238E27FC236}">
-                <a16:creationId xmlns:a16="http://schemas.microsoft.com/office/drawing/2014/main" id="{CFBD6B39-AC8C-923A-2B5B-0F6B6E352AC1}"/>
+                <a16:creationId xmlns:a16="http://schemas.microsoft.com/office/drawing/2014/main" id="{3653D06F-0A41-CE22-5C55-6F15AC26EF91}"/>
               </a:ext>
             </a:extLst>
           </p:cNvPr>
@@ -166,7 +166,7 @@
           <p:cNvPr id="3" name="副标题 2">
             <a:extLst>
               <a:ext uri="{FF2B5EF4-FFF2-40B4-BE49-F238E27FC236}">
-                <a16:creationId xmlns:a16="http://schemas.microsoft.com/office/drawing/2014/main" id="{EA8C6FCF-8548-27D9-9565-D039A36F0B84}"/>
+                <a16:creationId xmlns:a16="http://schemas.microsoft.com/office/drawing/2014/main" id="{6C2E9DB3-4826-CE53-FE11-663109DA2FC9}"/>
               </a:ext>
             </a:extLst>
           </p:cNvPr>
@@ -236,7 +236,7 @@
           <p:cNvPr id="4" name="日期占位符 3">
             <a:extLst>
               <a:ext uri="{FF2B5EF4-FFF2-40B4-BE49-F238E27FC236}">
-                <a16:creationId xmlns:a16="http://schemas.microsoft.com/office/drawing/2014/main" id="{DED96B71-9F5C-4CEB-3EC4-537CF9E00C80}"/>
+                <a16:creationId xmlns:a16="http://schemas.microsoft.com/office/drawing/2014/main" id="{D3413D8A-345E-FD18-63DD-D7511047AD97}"/>
               </a:ext>
             </a:extLst>
           </p:cNvPr>
@@ -252,7 +252,7 @@
           <a:bodyPr/>
           <a:lstStyle/>
           <a:p>
-            <a:fld id="{E85A9079-7335-40C0-B445-033323E35E01}" type="datetimeFigureOut">
+            <a:fld id="{97AF6F00-0A96-4AEF-B3CF-30F070D3D45C}" type="datetimeFigureOut">
               <a:rPr lang="zh-CN" altLang="en-US" smtClean="0"/>
               <a:t>2024/3/10</a:t>
             </a:fld>
@@ -265,7 +265,7 @@
           <p:cNvPr id="5" name="页脚占位符 4">
             <a:extLst>
               <a:ext uri="{FF2B5EF4-FFF2-40B4-BE49-F238E27FC236}">
-                <a16:creationId xmlns:a16="http://schemas.microsoft.com/office/drawing/2014/main" id="{E3CBF810-F436-8BAD-AEBD-774CAE4DC958}"/>
+                <a16:creationId xmlns:a16="http://schemas.microsoft.com/office/drawing/2014/main" id="{27295D3A-4DDE-8210-6DDD-755F624998FB}"/>
               </a:ext>
             </a:extLst>
           </p:cNvPr>
@@ -290,7 +290,7 @@
           <p:cNvPr id="6" name="灯片编号占位符 5">
             <a:extLst>
               <a:ext uri="{FF2B5EF4-FFF2-40B4-BE49-F238E27FC236}">
-                <a16:creationId xmlns:a16="http://schemas.microsoft.com/office/drawing/2014/main" id="{DD958867-06A9-8DDD-AF6A-8B2FFF98FAF9}"/>
+                <a16:creationId xmlns:a16="http://schemas.microsoft.com/office/drawing/2014/main" id="{0CB7CF7B-CFE5-D8F5-83B9-20C1FC208C97}"/>
               </a:ext>
             </a:extLst>
           </p:cNvPr>
@@ -306,7 +306,7 @@
           <a:bodyPr/>
           <a:lstStyle/>
           <a:p>
-            <a:fld id="{C4C84FFF-58E5-4D8B-B4F8-89C47982F34D}" type="slidenum">
+            <a:fld id="{153A4353-95B6-4B61-ACCA-D142893D0488}" type="slidenum">
               <a:rPr lang="zh-CN" altLang="en-US" smtClean="0"/>
               <a:t>‹#›</a:t>
             </a:fld>
@@ -317,7 +317,7 @@
     </p:spTree>
     <p:extLst>
       <p:ext uri="{BB962C8B-B14F-4D97-AF65-F5344CB8AC3E}">
-        <p14:creationId xmlns:p14="http://schemas.microsoft.com/office/powerpoint/2010/main" val="4014443599"/>
+        <p14:creationId xmlns:p14="http://schemas.microsoft.com/office/powerpoint/2010/main" val="2865664419"/>
       </p:ext>
     </p:extLst>
   </p:cSld>
@@ -349,7 +349,7 @@
           <p:cNvPr id="2" name="标题 1">
             <a:extLst>
               <a:ext uri="{FF2B5EF4-FFF2-40B4-BE49-F238E27FC236}">
-                <a16:creationId xmlns:a16="http://schemas.microsoft.com/office/drawing/2014/main" id="{B93F90B9-F7DB-D102-A232-D874982477EE}"/>
+                <a16:creationId xmlns:a16="http://schemas.microsoft.com/office/drawing/2014/main" id="{EEAEDD9E-23BA-DB74-9F02-D88C44B27BB7}"/>
               </a:ext>
             </a:extLst>
           </p:cNvPr>
@@ -377,7 +377,7 @@
           <p:cNvPr id="3" name="竖排文字占位符 2">
             <a:extLst>
               <a:ext uri="{FF2B5EF4-FFF2-40B4-BE49-F238E27FC236}">
-                <a16:creationId xmlns:a16="http://schemas.microsoft.com/office/drawing/2014/main" id="{7917B4C7-6ACF-0066-BC2A-3ADDA6410E71}"/>
+                <a16:creationId xmlns:a16="http://schemas.microsoft.com/office/drawing/2014/main" id="{5107E89E-047B-891E-E608-027B07910532}"/>
               </a:ext>
             </a:extLst>
           </p:cNvPr>
@@ -434,7 +434,7 @@
           <p:cNvPr id="4" name="日期占位符 3">
             <a:extLst>
               <a:ext uri="{FF2B5EF4-FFF2-40B4-BE49-F238E27FC236}">
-                <a16:creationId xmlns:a16="http://schemas.microsoft.com/office/drawing/2014/main" id="{4F7E1800-8C71-0011-845D-ED3D6260BA92}"/>
+                <a16:creationId xmlns:a16="http://schemas.microsoft.com/office/drawing/2014/main" id="{A3A5B19E-A4AB-2B64-9705-F6FD17E342DB}"/>
               </a:ext>
             </a:extLst>
           </p:cNvPr>
@@ -450,7 +450,7 @@
           <a:bodyPr/>
           <a:lstStyle/>
           <a:p>
-            <a:fld id="{E85A9079-7335-40C0-B445-033323E35E01}" type="datetimeFigureOut">
+            <a:fld id="{97AF6F00-0A96-4AEF-B3CF-30F070D3D45C}" type="datetimeFigureOut">
               <a:rPr lang="zh-CN" altLang="en-US" smtClean="0"/>
               <a:t>2024/3/10</a:t>
             </a:fld>
@@ -463,7 +463,7 @@
           <p:cNvPr id="5" name="页脚占位符 4">
             <a:extLst>
               <a:ext uri="{FF2B5EF4-FFF2-40B4-BE49-F238E27FC236}">
-                <a16:creationId xmlns:a16="http://schemas.microsoft.com/office/drawing/2014/main" id="{C1F429EA-46F7-3BA2-2595-539A609E529B}"/>
+                <a16:creationId xmlns:a16="http://schemas.microsoft.com/office/drawing/2014/main" id="{78CFFC9D-2492-5560-A5E9-5E17E4B043E7}"/>
               </a:ext>
             </a:extLst>
           </p:cNvPr>
@@ -488,7 +488,7 @@
           <p:cNvPr id="6" name="灯片编号占位符 5">
             <a:extLst>
               <a:ext uri="{FF2B5EF4-FFF2-40B4-BE49-F238E27FC236}">
-                <a16:creationId xmlns:a16="http://schemas.microsoft.com/office/drawing/2014/main" id="{53D0B149-ECF4-7D8A-8F32-B72B8DA6E6BD}"/>
+                <a16:creationId xmlns:a16="http://schemas.microsoft.com/office/drawing/2014/main" id="{D3180A02-B3F4-3CCC-DAFF-2D75B6624853}"/>
               </a:ext>
             </a:extLst>
           </p:cNvPr>
@@ -504,7 +504,7 @@
           <a:bodyPr/>
           <a:lstStyle/>
           <a:p>
-            <a:fld id="{C4C84FFF-58E5-4D8B-B4F8-89C47982F34D}" type="slidenum">
+            <a:fld id="{153A4353-95B6-4B61-ACCA-D142893D0488}" type="slidenum">
               <a:rPr lang="zh-CN" altLang="en-US" smtClean="0"/>
               <a:t>‹#›</a:t>
             </a:fld>
@@ -515,7 +515,7 @@
     </p:spTree>
     <p:extLst>
       <p:ext uri="{BB962C8B-B14F-4D97-AF65-F5344CB8AC3E}">
-        <p14:creationId xmlns:p14="http://schemas.microsoft.com/office/powerpoint/2010/main" val="2730342711"/>
+        <p14:creationId xmlns:p14="http://schemas.microsoft.com/office/powerpoint/2010/main" val="3850061868"/>
       </p:ext>
     </p:extLst>
   </p:cSld>
@@ -547,7 +547,7 @@
           <p:cNvPr id="2" name="竖排标题 1">
             <a:extLst>
               <a:ext uri="{FF2B5EF4-FFF2-40B4-BE49-F238E27FC236}">
-                <a16:creationId xmlns:a16="http://schemas.microsoft.com/office/drawing/2014/main" id="{C96E3873-AB20-2C9F-0D65-F8355D1CCE22}"/>
+                <a16:creationId xmlns:a16="http://schemas.microsoft.com/office/drawing/2014/main" id="{FB6C670E-8DB7-D937-256F-A81861B61208}"/>
               </a:ext>
             </a:extLst>
           </p:cNvPr>
@@ -580,7 +580,7 @@
           <p:cNvPr id="3" name="竖排文字占位符 2">
             <a:extLst>
               <a:ext uri="{FF2B5EF4-FFF2-40B4-BE49-F238E27FC236}">
-                <a16:creationId xmlns:a16="http://schemas.microsoft.com/office/drawing/2014/main" id="{72E57F33-A99C-BC20-55AD-632C88B786FD}"/>
+                <a16:creationId xmlns:a16="http://schemas.microsoft.com/office/drawing/2014/main" id="{9D282A36-4C9E-D6A4-6AAC-F3E6CF048353}"/>
               </a:ext>
             </a:extLst>
           </p:cNvPr>
@@ -642,7 +642,7 @@
           <p:cNvPr id="4" name="日期占位符 3">
             <a:extLst>
               <a:ext uri="{FF2B5EF4-FFF2-40B4-BE49-F238E27FC236}">
-                <a16:creationId xmlns:a16="http://schemas.microsoft.com/office/drawing/2014/main" id="{EAC47B5B-0421-53AA-D136-E111A9F2A6F9}"/>
+                <a16:creationId xmlns:a16="http://schemas.microsoft.com/office/drawing/2014/main" id="{F7DA67AC-204F-6B93-396D-2C40D2ECE3F0}"/>
               </a:ext>
             </a:extLst>
           </p:cNvPr>
@@ -658,7 +658,7 @@
           <a:bodyPr/>
           <a:lstStyle/>
           <a:p>
-            <a:fld id="{E85A9079-7335-40C0-B445-033323E35E01}" type="datetimeFigureOut">
+            <a:fld id="{97AF6F00-0A96-4AEF-B3CF-30F070D3D45C}" type="datetimeFigureOut">
               <a:rPr lang="zh-CN" altLang="en-US" smtClean="0"/>
               <a:t>2024/3/10</a:t>
             </a:fld>
@@ -671,7 +671,7 @@
           <p:cNvPr id="5" name="页脚占位符 4">
             <a:extLst>
               <a:ext uri="{FF2B5EF4-FFF2-40B4-BE49-F238E27FC236}">
-                <a16:creationId xmlns:a16="http://schemas.microsoft.com/office/drawing/2014/main" id="{829773C0-3ABD-EBD9-0B3B-157C4CF01C66}"/>
+                <a16:creationId xmlns:a16="http://schemas.microsoft.com/office/drawing/2014/main" id="{B5AA1506-200A-F2DF-91F4-61165DBF0D92}"/>
               </a:ext>
             </a:extLst>
           </p:cNvPr>
@@ -696,7 +696,7 @@
           <p:cNvPr id="6" name="灯片编号占位符 5">
             <a:extLst>
               <a:ext uri="{FF2B5EF4-FFF2-40B4-BE49-F238E27FC236}">
-                <a16:creationId xmlns:a16="http://schemas.microsoft.com/office/drawing/2014/main" id="{2BCF3970-0B22-EFDB-41B9-3D0F8F2DA4CA}"/>
+                <a16:creationId xmlns:a16="http://schemas.microsoft.com/office/drawing/2014/main" id="{B9EB89B0-62D5-844C-C4D5-7AEBE5891BE8}"/>
               </a:ext>
             </a:extLst>
           </p:cNvPr>
@@ -712,7 +712,7 @@
           <a:bodyPr/>
           <a:lstStyle/>
           <a:p>
-            <a:fld id="{C4C84FFF-58E5-4D8B-B4F8-89C47982F34D}" type="slidenum">
+            <a:fld id="{153A4353-95B6-4B61-ACCA-D142893D0488}" type="slidenum">
               <a:rPr lang="zh-CN" altLang="en-US" smtClean="0"/>
               <a:t>‹#›</a:t>
             </a:fld>
@@ -723,7 +723,7 @@
     </p:spTree>
     <p:extLst>
       <p:ext uri="{BB962C8B-B14F-4D97-AF65-F5344CB8AC3E}">
-        <p14:creationId xmlns:p14="http://schemas.microsoft.com/office/powerpoint/2010/main" val="3232116100"/>
+        <p14:creationId xmlns:p14="http://schemas.microsoft.com/office/powerpoint/2010/main" val="2249448781"/>
       </p:ext>
     </p:extLst>
   </p:cSld>
@@ -755,7 +755,7 @@
           <p:cNvPr id="2" name="标题 1">
             <a:extLst>
               <a:ext uri="{FF2B5EF4-FFF2-40B4-BE49-F238E27FC236}">
-                <a16:creationId xmlns:a16="http://schemas.microsoft.com/office/drawing/2014/main" id="{722A01CE-7C1F-818B-8B47-3CE3E177D9A3}"/>
+                <a16:creationId xmlns:a16="http://schemas.microsoft.com/office/drawing/2014/main" id="{68D1AE57-3617-EB31-7DA4-1A21A914FF33}"/>
               </a:ext>
             </a:extLst>
           </p:cNvPr>
@@ -783,7 +783,7 @@
           <p:cNvPr id="3" name="内容占位符 2">
             <a:extLst>
               <a:ext uri="{FF2B5EF4-FFF2-40B4-BE49-F238E27FC236}">
-                <a16:creationId xmlns:a16="http://schemas.microsoft.com/office/drawing/2014/main" id="{35904AF8-F2BC-9207-6EC1-33B7ACDE042E}"/>
+                <a16:creationId xmlns:a16="http://schemas.microsoft.com/office/drawing/2014/main" id="{09352617-EDDE-3298-B9D8-14A5EA1A3915}"/>
               </a:ext>
             </a:extLst>
           </p:cNvPr>
@@ -840,7 +840,7 @@
           <p:cNvPr id="4" name="日期占位符 3">
             <a:extLst>
               <a:ext uri="{FF2B5EF4-FFF2-40B4-BE49-F238E27FC236}">
-                <a16:creationId xmlns:a16="http://schemas.microsoft.com/office/drawing/2014/main" id="{C71D1CDB-383F-96DA-8BBA-F76B42720606}"/>
+                <a16:creationId xmlns:a16="http://schemas.microsoft.com/office/drawing/2014/main" id="{28C4FDF3-9F3E-1449-7A8F-9D541846C34D}"/>
               </a:ext>
             </a:extLst>
           </p:cNvPr>
@@ -856,7 +856,7 @@
           <a:bodyPr/>
           <a:lstStyle/>
           <a:p>
-            <a:fld id="{E85A9079-7335-40C0-B445-033323E35E01}" type="datetimeFigureOut">
+            <a:fld id="{97AF6F00-0A96-4AEF-B3CF-30F070D3D45C}" type="datetimeFigureOut">
               <a:rPr lang="zh-CN" altLang="en-US" smtClean="0"/>
               <a:t>2024/3/10</a:t>
             </a:fld>
@@ -869,7 +869,7 @@
           <p:cNvPr id="5" name="页脚占位符 4">
             <a:extLst>
               <a:ext uri="{FF2B5EF4-FFF2-40B4-BE49-F238E27FC236}">
-                <a16:creationId xmlns:a16="http://schemas.microsoft.com/office/drawing/2014/main" id="{828C69A8-DCB9-F73C-9B39-F68C49594760}"/>
+                <a16:creationId xmlns:a16="http://schemas.microsoft.com/office/drawing/2014/main" id="{96CAD086-4B81-1CF0-0E71-0EA56079DD80}"/>
               </a:ext>
             </a:extLst>
           </p:cNvPr>
@@ -894,7 +894,7 @@
           <p:cNvPr id="6" name="灯片编号占位符 5">
             <a:extLst>
               <a:ext uri="{FF2B5EF4-FFF2-40B4-BE49-F238E27FC236}">
-                <a16:creationId xmlns:a16="http://schemas.microsoft.com/office/drawing/2014/main" id="{C6688D8E-A022-243D-F899-76CB891A1011}"/>
+                <a16:creationId xmlns:a16="http://schemas.microsoft.com/office/drawing/2014/main" id="{DDBDDDCB-914B-D9F8-10F4-A15F935DDFBD}"/>
               </a:ext>
             </a:extLst>
           </p:cNvPr>
@@ -910,7 +910,7 @@
           <a:bodyPr/>
           <a:lstStyle/>
           <a:p>
-            <a:fld id="{C4C84FFF-58E5-4D8B-B4F8-89C47982F34D}" type="slidenum">
+            <a:fld id="{153A4353-95B6-4B61-ACCA-D142893D0488}" type="slidenum">
               <a:rPr lang="zh-CN" altLang="en-US" smtClean="0"/>
               <a:t>‹#›</a:t>
             </a:fld>
@@ -921,7 +921,7 @@
     </p:spTree>
     <p:extLst>
       <p:ext uri="{BB962C8B-B14F-4D97-AF65-F5344CB8AC3E}">
-        <p14:creationId xmlns:p14="http://schemas.microsoft.com/office/powerpoint/2010/main" val="600541807"/>
+        <p14:creationId xmlns:p14="http://schemas.microsoft.com/office/powerpoint/2010/main" val="1917061058"/>
       </p:ext>
     </p:extLst>
   </p:cSld>
@@ -953,7 +953,7 @@
           <p:cNvPr id="2" name="标题 1">
             <a:extLst>
               <a:ext uri="{FF2B5EF4-FFF2-40B4-BE49-F238E27FC236}">
-                <a16:creationId xmlns:a16="http://schemas.microsoft.com/office/drawing/2014/main" id="{149E2417-E3DE-6869-6147-117261050741}"/>
+                <a16:creationId xmlns:a16="http://schemas.microsoft.com/office/drawing/2014/main" id="{821CE163-A218-9234-34A9-4BD2D2AFE0F8}"/>
               </a:ext>
             </a:extLst>
           </p:cNvPr>
@@ -990,7 +990,7 @@
           <p:cNvPr id="3" name="文本占位符 2">
             <a:extLst>
               <a:ext uri="{FF2B5EF4-FFF2-40B4-BE49-F238E27FC236}">
-                <a16:creationId xmlns:a16="http://schemas.microsoft.com/office/drawing/2014/main" id="{FAA3A583-76E5-4C2D-D4CA-84901665B14C}"/>
+                <a16:creationId xmlns:a16="http://schemas.microsoft.com/office/drawing/2014/main" id="{CD190068-8FE3-18C3-DAF9-D1F7F3CE5C85}"/>
               </a:ext>
             </a:extLst>
           </p:cNvPr>
@@ -1115,7 +1115,7 @@
           <p:cNvPr id="4" name="日期占位符 3">
             <a:extLst>
               <a:ext uri="{FF2B5EF4-FFF2-40B4-BE49-F238E27FC236}">
-                <a16:creationId xmlns:a16="http://schemas.microsoft.com/office/drawing/2014/main" id="{7EBE6BF5-3D85-683A-014D-95B0827207A9}"/>
+                <a16:creationId xmlns:a16="http://schemas.microsoft.com/office/drawing/2014/main" id="{1DA7439E-8629-4FEE-E6D3-CD5A3B36907E}"/>
               </a:ext>
             </a:extLst>
           </p:cNvPr>
@@ -1131,7 +1131,7 @@
           <a:bodyPr/>
           <a:lstStyle/>
           <a:p>
-            <a:fld id="{E85A9079-7335-40C0-B445-033323E35E01}" type="datetimeFigureOut">
+            <a:fld id="{97AF6F00-0A96-4AEF-B3CF-30F070D3D45C}" type="datetimeFigureOut">
               <a:rPr lang="zh-CN" altLang="en-US" smtClean="0"/>
               <a:t>2024/3/10</a:t>
             </a:fld>
@@ -1144,7 +1144,7 @@
           <p:cNvPr id="5" name="页脚占位符 4">
             <a:extLst>
               <a:ext uri="{FF2B5EF4-FFF2-40B4-BE49-F238E27FC236}">
-                <a16:creationId xmlns:a16="http://schemas.microsoft.com/office/drawing/2014/main" id="{3868F2F3-8778-3D8F-2A87-0F176AF1E1ED}"/>
+                <a16:creationId xmlns:a16="http://schemas.microsoft.com/office/drawing/2014/main" id="{181D8686-904C-36F5-F4F3-80C76F9F3C8F}"/>
               </a:ext>
             </a:extLst>
           </p:cNvPr>
@@ -1169,7 +1169,7 @@
           <p:cNvPr id="6" name="灯片编号占位符 5">
             <a:extLst>
               <a:ext uri="{FF2B5EF4-FFF2-40B4-BE49-F238E27FC236}">
-                <a16:creationId xmlns:a16="http://schemas.microsoft.com/office/drawing/2014/main" id="{1AD740F4-2DB0-1184-34E0-6CDB55AEA9EF}"/>
+                <a16:creationId xmlns:a16="http://schemas.microsoft.com/office/drawing/2014/main" id="{912A4698-4B83-9B78-CC8F-A116498B9CEB}"/>
               </a:ext>
             </a:extLst>
           </p:cNvPr>
@@ -1185,7 +1185,7 @@
           <a:bodyPr/>
           <a:lstStyle/>
           <a:p>
-            <a:fld id="{C4C84FFF-58E5-4D8B-B4F8-89C47982F34D}" type="slidenum">
+            <a:fld id="{153A4353-95B6-4B61-ACCA-D142893D0488}" type="slidenum">
               <a:rPr lang="zh-CN" altLang="en-US" smtClean="0"/>
               <a:t>‹#›</a:t>
             </a:fld>
@@ -1196,7 +1196,7 @@
     </p:spTree>
     <p:extLst>
       <p:ext uri="{BB962C8B-B14F-4D97-AF65-F5344CB8AC3E}">
-        <p14:creationId xmlns:p14="http://schemas.microsoft.com/office/powerpoint/2010/main" val="699204702"/>
+        <p14:creationId xmlns:p14="http://schemas.microsoft.com/office/powerpoint/2010/main" val="1822228705"/>
       </p:ext>
     </p:extLst>
   </p:cSld>
@@ -1228,7 +1228,7 @@
           <p:cNvPr id="2" name="标题 1">
             <a:extLst>
               <a:ext uri="{FF2B5EF4-FFF2-40B4-BE49-F238E27FC236}">
-                <a16:creationId xmlns:a16="http://schemas.microsoft.com/office/drawing/2014/main" id="{3DA041FD-617C-E422-5DA7-9E9F1F2EB5DA}"/>
+                <a16:creationId xmlns:a16="http://schemas.microsoft.com/office/drawing/2014/main" id="{A9B13A49-F36E-2E85-1A74-18D41ED56044}"/>
               </a:ext>
             </a:extLst>
           </p:cNvPr>
@@ -1256,7 +1256,7 @@
           <p:cNvPr id="3" name="内容占位符 2">
             <a:extLst>
               <a:ext uri="{FF2B5EF4-FFF2-40B4-BE49-F238E27FC236}">
-                <a16:creationId xmlns:a16="http://schemas.microsoft.com/office/drawing/2014/main" id="{F5804F13-9A72-961C-F13A-155BD052A092}"/>
+                <a16:creationId xmlns:a16="http://schemas.microsoft.com/office/drawing/2014/main" id="{BB898A48-763F-EC09-4A1C-592C28595023}"/>
               </a:ext>
             </a:extLst>
           </p:cNvPr>
@@ -1318,7 +1318,7 @@
           <p:cNvPr id="4" name="内容占位符 3">
             <a:extLst>
               <a:ext uri="{FF2B5EF4-FFF2-40B4-BE49-F238E27FC236}">
-                <a16:creationId xmlns:a16="http://schemas.microsoft.com/office/drawing/2014/main" id="{34EBE518-0F80-921E-D998-5A13923BED7B}"/>
+                <a16:creationId xmlns:a16="http://schemas.microsoft.com/office/drawing/2014/main" id="{D3671BC3-822E-2D7D-D495-E16C5023CF7A}"/>
               </a:ext>
             </a:extLst>
           </p:cNvPr>
@@ -1380,7 +1380,7 @@
           <p:cNvPr id="5" name="日期占位符 4">
             <a:extLst>
               <a:ext uri="{FF2B5EF4-FFF2-40B4-BE49-F238E27FC236}">
-                <a16:creationId xmlns:a16="http://schemas.microsoft.com/office/drawing/2014/main" id="{614CDDCA-53F0-2C4E-652E-3B0646040230}"/>
+                <a16:creationId xmlns:a16="http://schemas.microsoft.com/office/drawing/2014/main" id="{24656BF0-BA47-A3ED-3B27-9255AF34D3D0}"/>
               </a:ext>
             </a:extLst>
           </p:cNvPr>
@@ -1396,7 +1396,7 @@
           <a:bodyPr/>
           <a:lstStyle/>
           <a:p>
-            <a:fld id="{E85A9079-7335-40C0-B445-033323E35E01}" type="datetimeFigureOut">
+            <a:fld id="{97AF6F00-0A96-4AEF-B3CF-30F070D3D45C}" type="datetimeFigureOut">
               <a:rPr lang="zh-CN" altLang="en-US" smtClean="0"/>
               <a:t>2024/3/10</a:t>
             </a:fld>
@@ -1409,7 +1409,7 @@
           <p:cNvPr id="6" name="页脚占位符 5">
             <a:extLst>
               <a:ext uri="{FF2B5EF4-FFF2-40B4-BE49-F238E27FC236}">
-                <a16:creationId xmlns:a16="http://schemas.microsoft.com/office/drawing/2014/main" id="{A233FE3E-D660-5763-D5A8-5F5DB605FF8C}"/>
+                <a16:creationId xmlns:a16="http://schemas.microsoft.com/office/drawing/2014/main" id="{93201306-EFF6-AD18-7998-34A04C3E17A4}"/>
               </a:ext>
             </a:extLst>
           </p:cNvPr>
@@ -1434,7 +1434,7 @@
           <p:cNvPr id="7" name="灯片编号占位符 6">
             <a:extLst>
               <a:ext uri="{FF2B5EF4-FFF2-40B4-BE49-F238E27FC236}">
-                <a16:creationId xmlns:a16="http://schemas.microsoft.com/office/drawing/2014/main" id="{792FB0B3-86C6-51F6-98B4-D116C3AC1BBE}"/>
+                <a16:creationId xmlns:a16="http://schemas.microsoft.com/office/drawing/2014/main" id="{E86D6CB5-2495-5D1A-E401-53876C069D81}"/>
               </a:ext>
             </a:extLst>
           </p:cNvPr>
@@ -1450,7 +1450,7 @@
           <a:bodyPr/>
           <a:lstStyle/>
           <a:p>
-            <a:fld id="{C4C84FFF-58E5-4D8B-B4F8-89C47982F34D}" type="slidenum">
+            <a:fld id="{153A4353-95B6-4B61-ACCA-D142893D0488}" type="slidenum">
               <a:rPr lang="zh-CN" altLang="en-US" smtClean="0"/>
               <a:t>‹#›</a:t>
             </a:fld>
@@ -1461,7 +1461,7 @@
     </p:spTree>
     <p:extLst>
       <p:ext uri="{BB962C8B-B14F-4D97-AF65-F5344CB8AC3E}">
-        <p14:creationId xmlns:p14="http://schemas.microsoft.com/office/powerpoint/2010/main" val="3248519369"/>
+        <p14:creationId xmlns:p14="http://schemas.microsoft.com/office/powerpoint/2010/main" val="985583464"/>
       </p:ext>
     </p:extLst>
   </p:cSld>
@@ -1493,7 +1493,7 @@
           <p:cNvPr id="2" name="标题 1">
             <a:extLst>
               <a:ext uri="{FF2B5EF4-FFF2-40B4-BE49-F238E27FC236}">
-                <a16:creationId xmlns:a16="http://schemas.microsoft.com/office/drawing/2014/main" id="{01465D86-2CC3-E141-E49F-12A46B06BC24}"/>
+                <a16:creationId xmlns:a16="http://schemas.microsoft.com/office/drawing/2014/main" id="{19E5F88D-1D51-F4F7-65BA-1F94CE5591AF}"/>
               </a:ext>
             </a:extLst>
           </p:cNvPr>
@@ -1526,7 +1526,7 @@
           <p:cNvPr id="3" name="文本占位符 2">
             <a:extLst>
               <a:ext uri="{FF2B5EF4-FFF2-40B4-BE49-F238E27FC236}">
-                <a16:creationId xmlns:a16="http://schemas.microsoft.com/office/drawing/2014/main" id="{3F57D208-9B08-9A3A-FE9D-0E9E95EC031E}"/>
+                <a16:creationId xmlns:a16="http://schemas.microsoft.com/office/drawing/2014/main" id="{49011CF0-A344-7917-A1BF-CF2F7E80A7BF}"/>
               </a:ext>
             </a:extLst>
           </p:cNvPr>
@@ -1597,7 +1597,7 @@
           <p:cNvPr id="4" name="内容占位符 3">
             <a:extLst>
               <a:ext uri="{FF2B5EF4-FFF2-40B4-BE49-F238E27FC236}">
-                <a16:creationId xmlns:a16="http://schemas.microsoft.com/office/drawing/2014/main" id="{7B619AD0-E9C4-F0F5-F8D4-E0DADB0C9ADD}"/>
+                <a16:creationId xmlns:a16="http://schemas.microsoft.com/office/drawing/2014/main" id="{14D0A183-2A60-4338-D9F0-2580F5D2A282}"/>
               </a:ext>
             </a:extLst>
           </p:cNvPr>
@@ -1659,7 +1659,7 @@
           <p:cNvPr id="5" name="文本占位符 4">
             <a:extLst>
               <a:ext uri="{FF2B5EF4-FFF2-40B4-BE49-F238E27FC236}">
-                <a16:creationId xmlns:a16="http://schemas.microsoft.com/office/drawing/2014/main" id="{13F94454-A4A9-6E8D-F9C0-03829246D7D5}"/>
+                <a16:creationId xmlns:a16="http://schemas.microsoft.com/office/drawing/2014/main" id="{CF2B1A3D-FAF6-59EF-CD5C-C428B9BA5839}"/>
               </a:ext>
             </a:extLst>
           </p:cNvPr>
@@ -1730,7 +1730,7 @@
           <p:cNvPr id="6" name="内容占位符 5">
             <a:extLst>
               <a:ext uri="{FF2B5EF4-FFF2-40B4-BE49-F238E27FC236}">
-                <a16:creationId xmlns:a16="http://schemas.microsoft.com/office/drawing/2014/main" id="{108095DD-E271-F570-FC0D-548729C9ED0C}"/>
+                <a16:creationId xmlns:a16="http://schemas.microsoft.com/office/drawing/2014/main" id="{D6F42569-E6E0-5705-26AA-2D41DDF8A97B}"/>
               </a:ext>
             </a:extLst>
           </p:cNvPr>
@@ -1792,7 +1792,7 @@
           <p:cNvPr id="7" name="日期占位符 6">
             <a:extLst>
               <a:ext uri="{FF2B5EF4-FFF2-40B4-BE49-F238E27FC236}">
-                <a16:creationId xmlns:a16="http://schemas.microsoft.com/office/drawing/2014/main" id="{45CF55F4-E1DA-171B-35E1-0095491C6697}"/>
+                <a16:creationId xmlns:a16="http://schemas.microsoft.com/office/drawing/2014/main" id="{8CE5DCFA-FC2A-6160-E9F0-D9645AB00C8C}"/>
               </a:ext>
             </a:extLst>
           </p:cNvPr>
@@ -1808,7 +1808,7 @@
           <a:bodyPr/>
           <a:lstStyle/>
           <a:p>
-            <a:fld id="{E85A9079-7335-40C0-B445-033323E35E01}" type="datetimeFigureOut">
+            <a:fld id="{97AF6F00-0A96-4AEF-B3CF-30F070D3D45C}" type="datetimeFigureOut">
               <a:rPr lang="zh-CN" altLang="en-US" smtClean="0"/>
               <a:t>2024/3/10</a:t>
             </a:fld>
@@ -1821,7 +1821,7 @@
           <p:cNvPr id="8" name="页脚占位符 7">
             <a:extLst>
               <a:ext uri="{FF2B5EF4-FFF2-40B4-BE49-F238E27FC236}">
-                <a16:creationId xmlns:a16="http://schemas.microsoft.com/office/drawing/2014/main" id="{7A088580-3612-987C-0A2B-B917DE504B42}"/>
+                <a16:creationId xmlns:a16="http://schemas.microsoft.com/office/drawing/2014/main" id="{7288E5D7-47EC-E6EC-FA8A-C171FCAF70BB}"/>
               </a:ext>
             </a:extLst>
           </p:cNvPr>
@@ -1846,7 +1846,7 @@
           <p:cNvPr id="9" name="灯片编号占位符 8">
             <a:extLst>
               <a:ext uri="{FF2B5EF4-FFF2-40B4-BE49-F238E27FC236}">
-                <a16:creationId xmlns:a16="http://schemas.microsoft.com/office/drawing/2014/main" id="{E87455FA-0FA7-0D77-ACF2-166A3B1D83B9}"/>
+                <a16:creationId xmlns:a16="http://schemas.microsoft.com/office/drawing/2014/main" id="{7592AB3E-3DB3-8E63-6FD7-1CD97634FD0C}"/>
               </a:ext>
             </a:extLst>
           </p:cNvPr>
@@ -1862,7 +1862,7 @@
           <a:bodyPr/>
           <a:lstStyle/>
           <a:p>
-            <a:fld id="{C4C84FFF-58E5-4D8B-B4F8-89C47982F34D}" type="slidenum">
+            <a:fld id="{153A4353-95B6-4B61-ACCA-D142893D0488}" type="slidenum">
               <a:rPr lang="zh-CN" altLang="en-US" smtClean="0"/>
               <a:t>‹#›</a:t>
             </a:fld>
@@ -1873,7 +1873,7 @@
     </p:spTree>
     <p:extLst>
       <p:ext uri="{BB962C8B-B14F-4D97-AF65-F5344CB8AC3E}">
-        <p14:creationId xmlns:p14="http://schemas.microsoft.com/office/powerpoint/2010/main" val="2958589940"/>
+        <p14:creationId xmlns:p14="http://schemas.microsoft.com/office/powerpoint/2010/main" val="2966357418"/>
       </p:ext>
     </p:extLst>
   </p:cSld>
@@ -1905,7 +1905,7 @@
           <p:cNvPr id="2" name="标题 1">
             <a:extLst>
               <a:ext uri="{FF2B5EF4-FFF2-40B4-BE49-F238E27FC236}">
-                <a16:creationId xmlns:a16="http://schemas.microsoft.com/office/drawing/2014/main" id="{C225A0DB-6BCD-2D4A-9C78-A659609F4434}"/>
+                <a16:creationId xmlns:a16="http://schemas.microsoft.com/office/drawing/2014/main" id="{2DBFB24A-5A89-9C67-8BF6-37C3C001610A}"/>
               </a:ext>
             </a:extLst>
           </p:cNvPr>
@@ -1933,7 +1933,7 @@
           <p:cNvPr id="3" name="日期占位符 2">
             <a:extLst>
               <a:ext uri="{FF2B5EF4-FFF2-40B4-BE49-F238E27FC236}">
-                <a16:creationId xmlns:a16="http://schemas.microsoft.com/office/drawing/2014/main" id="{D4F29294-5002-1B48-B154-529ED98400F7}"/>
+                <a16:creationId xmlns:a16="http://schemas.microsoft.com/office/drawing/2014/main" id="{A3AD632A-2940-8FB2-99AA-211B5BD28F1F}"/>
               </a:ext>
             </a:extLst>
           </p:cNvPr>
@@ -1949,7 +1949,7 @@
           <a:bodyPr/>
           <a:lstStyle/>
           <a:p>
-            <a:fld id="{E85A9079-7335-40C0-B445-033323E35E01}" type="datetimeFigureOut">
+            <a:fld id="{97AF6F00-0A96-4AEF-B3CF-30F070D3D45C}" type="datetimeFigureOut">
               <a:rPr lang="zh-CN" altLang="en-US" smtClean="0"/>
               <a:t>2024/3/10</a:t>
             </a:fld>
@@ -1962,7 +1962,7 @@
           <p:cNvPr id="4" name="页脚占位符 3">
             <a:extLst>
               <a:ext uri="{FF2B5EF4-FFF2-40B4-BE49-F238E27FC236}">
-                <a16:creationId xmlns:a16="http://schemas.microsoft.com/office/drawing/2014/main" id="{3A6FB3FE-2B50-7281-260A-B8FE83399EF7}"/>
+                <a16:creationId xmlns:a16="http://schemas.microsoft.com/office/drawing/2014/main" id="{ECCF0711-4359-2701-EFA7-D2CBA54B5A92}"/>
               </a:ext>
             </a:extLst>
           </p:cNvPr>
@@ -1987,7 +1987,7 @@
           <p:cNvPr id="5" name="灯片编号占位符 4">
             <a:extLst>
               <a:ext uri="{FF2B5EF4-FFF2-40B4-BE49-F238E27FC236}">
-                <a16:creationId xmlns:a16="http://schemas.microsoft.com/office/drawing/2014/main" id="{9C7E734B-A1AC-1C7E-4AF4-F398225BFAD6}"/>
+                <a16:creationId xmlns:a16="http://schemas.microsoft.com/office/drawing/2014/main" id="{52676E6F-5BD9-3FEF-0EF2-87AB6BFB17FA}"/>
               </a:ext>
             </a:extLst>
           </p:cNvPr>
@@ -2003,7 +2003,7 @@
           <a:bodyPr/>
           <a:lstStyle/>
           <a:p>
-            <a:fld id="{C4C84FFF-58E5-4D8B-B4F8-89C47982F34D}" type="slidenum">
+            <a:fld id="{153A4353-95B6-4B61-ACCA-D142893D0488}" type="slidenum">
               <a:rPr lang="zh-CN" altLang="en-US" smtClean="0"/>
               <a:t>‹#›</a:t>
             </a:fld>
@@ -2014,7 +2014,7 @@
     </p:spTree>
     <p:extLst>
       <p:ext uri="{BB962C8B-B14F-4D97-AF65-F5344CB8AC3E}">
-        <p14:creationId xmlns:p14="http://schemas.microsoft.com/office/powerpoint/2010/main" val="2576039366"/>
+        <p14:creationId xmlns:p14="http://schemas.microsoft.com/office/powerpoint/2010/main" val="531504065"/>
       </p:ext>
     </p:extLst>
   </p:cSld>
@@ -2046,7 +2046,7 @@
           <p:cNvPr id="2" name="日期占位符 1">
             <a:extLst>
               <a:ext uri="{FF2B5EF4-FFF2-40B4-BE49-F238E27FC236}">
-                <a16:creationId xmlns:a16="http://schemas.microsoft.com/office/drawing/2014/main" id="{177DB33A-AA4F-5056-9E87-602EBE4A5AD5}"/>
+                <a16:creationId xmlns:a16="http://schemas.microsoft.com/office/drawing/2014/main" id="{98AE5B0B-C925-C37A-95D5-89DF35A51D6C}"/>
               </a:ext>
             </a:extLst>
           </p:cNvPr>
@@ -2062,7 +2062,7 @@
           <a:bodyPr/>
           <a:lstStyle/>
           <a:p>
-            <a:fld id="{E85A9079-7335-40C0-B445-033323E35E01}" type="datetimeFigureOut">
+            <a:fld id="{97AF6F00-0A96-4AEF-B3CF-30F070D3D45C}" type="datetimeFigureOut">
               <a:rPr lang="zh-CN" altLang="en-US" smtClean="0"/>
               <a:t>2024/3/10</a:t>
             </a:fld>
@@ -2075,7 +2075,7 @@
           <p:cNvPr id="3" name="页脚占位符 2">
             <a:extLst>
               <a:ext uri="{FF2B5EF4-FFF2-40B4-BE49-F238E27FC236}">
-                <a16:creationId xmlns:a16="http://schemas.microsoft.com/office/drawing/2014/main" id="{92B8E2B9-B78D-A777-CE85-59C40FE4E972}"/>
+                <a16:creationId xmlns:a16="http://schemas.microsoft.com/office/drawing/2014/main" id="{6BDAEBA5-6330-D0B1-30D7-9FFD16DECF6D}"/>
               </a:ext>
             </a:extLst>
           </p:cNvPr>
@@ -2100,7 +2100,7 @@
           <p:cNvPr id="4" name="灯片编号占位符 3">
             <a:extLst>
               <a:ext uri="{FF2B5EF4-FFF2-40B4-BE49-F238E27FC236}">
-                <a16:creationId xmlns:a16="http://schemas.microsoft.com/office/drawing/2014/main" id="{4EEF2032-474E-3022-47D7-BCB7CCD1E63A}"/>
+                <a16:creationId xmlns:a16="http://schemas.microsoft.com/office/drawing/2014/main" id="{2D305F44-E8AF-1278-239A-BE9F412415B1}"/>
               </a:ext>
             </a:extLst>
           </p:cNvPr>
@@ -2116,7 +2116,7 @@
           <a:bodyPr/>
           <a:lstStyle/>
           <a:p>
-            <a:fld id="{C4C84FFF-58E5-4D8B-B4F8-89C47982F34D}" type="slidenum">
+            <a:fld id="{153A4353-95B6-4B61-ACCA-D142893D0488}" type="slidenum">
               <a:rPr lang="zh-CN" altLang="en-US" smtClean="0"/>
               <a:t>‹#›</a:t>
             </a:fld>
@@ -2127,7 +2127,7 @@
     </p:spTree>
     <p:extLst>
       <p:ext uri="{BB962C8B-B14F-4D97-AF65-F5344CB8AC3E}">
-        <p14:creationId xmlns:p14="http://schemas.microsoft.com/office/powerpoint/2010/main" val="3681626845"/>
+        <p14:creationId xmlns:p14="http://schemas.microsoft.com/office/powerpoint/2010/main" val="193765172"/>
       </p:ext>
     </p:extLst>
   </p:cSld>
@@ -2159,7 +2159,7 @@
           <p:cNvPr id="2" name="标题 1">
             <a:extLst>
               <a:ext uri="{FF2B5EF4-FFF2-40B4-BE49-F238E27FC236}">
-                <a16:creationId xmlns:a16="http://schemas.microsoft.com/office/drawing/2014/main" id="{61AF43FF-5F15-BE52-3D51-2D1E1F7AD850}"/>
+                <a16:creationId xmlns:a16="http://schemas.microsoft.com/office/drawing/2014/main" id="{D73545C6-510A-BE72-722C-8536218A695F}"/>
               </a:ext>
             </a:extLst>
           </p:cNvPr>
@@ -2196,7 +2196,7 @@
           <p:cNvPr id="3" name="内容占位符 2">
             <a:extLst>
               <a:ext uri="{FF2B5EF4-FFF2-40B4-BE49-F238E27FC236}">
-                <a16:creationId xmlns:a16="http://schemas.microsoft.com/office/drawing/2014/main" id="{561B9759-369C-BA0B-5971-8987EBFA72E0}"/>
+                <a16:creationId xmlns:a16="http://schemas.microsoft.com/office/drawing/2014/main" id="{E2165E87-45C1-D5E9-557D-265F84A8A941}"/>
               </a:ext>
             </a:extLst>
           </p:cNvPr>
@@ -2286,7 +2286,7 @@
           <p:cNvPr id="4" name="文本占位符 3">
             <a:extLst>
               <a:ext uri="{FF2B5EF4-FFF2-40B4-BE49-F238E27FC236}">
-                <a16:creationId xmlns:a16="http://schemas.microsoft.com/office/drawing/2014/main" id="{45D02ADA-DA4E-F8AB-9606-448393ADBCF1}"/>
+                <a16:creationId xmlns:a16="http://schemas.microsoft.com/office/drawing/2014/main" id="{806AF6A1-0F40-726C-2FE3-05FC1E8B1E2E}"/>
               </a:ext>
             </a:extLst>
           </p:cNvPr>
@@ -2357,7 +2357,7 @@
           <p:cNvPr id="5" name="日期占位符 4">
             <a:extLst>
               <a:ext uri="{FF2B5EF4-FFF2-40B4-BE49-F238E27FC236}">
-                <a16:creationId xmlns:a16="http://schemas.microsoft.com/office/drawing/2014/main" id="{BEB4E203-95A1-55DF-91D2-B91A6A60C56D}"/>
+                <a16:creationId xmlns:a16="http://schemas.microsoft.com/office/drawing/2014/main" id="{DA0ABBAE-4AB0-7E61-648B-794953B5B705}"/>
               </a:ext>
             </a:extLst>
           </p:cNvPr>
@@ -2373,7 +2373,7 @@
           <a:bodyPr/>
           <a:lstStyle/>
           <a:p>
-            <a:fld id="{E85A9079-7335-40C0-B445-033323E35E01}" type="datetimeFigureOut">
+            <a:fld id="{97AF6F00-0A96-4AEF-B3CF-30F070D3D45C}" type="datetimeFigureOut">
               <a:rPr lang="zh-CN" altLang="en-US" smtClean="0"/>
               <a:t>2024/3/10</a:t>
             </a:fld>
@@ -2386,7 +2386,7 @@
           <p:cNvPr id="6" name="页脚占位符 5">
             <a:extLst>
               <a:ext uri="{FF2B5EF4-FFF2-40B4-BE49-F238E27FC236}">
-                <a16:creationId xmlns:a16="http://schemas.microsoft.com/office/drawing/2014/main" id="{177A0A9F-4C8C-3F1B-5AED-E6FD3D9769EA}"/>
+                <a16:creationId xmlns:a16="http://schemas.microsoft.com/office/drawing/2014/main" id="{0F33AD3E-63AF-F129-36E9-DF742755B9B5}"/>
               </a:ext>
             </a:extLst>
           </p:cNvPr>
@@ -2411,7 +2411,7 @@
           <p:cNvPr id="7" name="灯片编号占位符 6">
             <a:extLst>
               <a:ext uri="{FF2B5EF4-FFF2-40B4-BE49-F238E27FC236}">
-                <a16:creationId xmlns:a16="http://schemas.microsoft.com/office/drawing/2014/main" id="{B40FF771-3B23-5247-1BCD-FCC81E25D55D}"/>
+                <a16:creationId xmlns:a16="http://schemas.microsoft.com/office/drawing/2014/main" id="{C39BD60C-C284-4A50-9029-12FB385C78B5}"/>
               </a:ext>
             </a:extLst>
           </p:cNvPr>
@@ -2427,7 +2427,7 @@
           <a:bodyPr/>
           <a:lstStyle/>
           <a:p>
-            <a:fld id="{C4C84FFF-58E5-4D8B-B4F8-89C47982F34D}" type="slidenum">
+            <a:fld id="{153A4353-95B6-4B61-ACCA-D142893D0488}" type="slidenum">
               <a:rPr lang="zh-CN" altLang="en-US" smtClean="0"/>
               <a:t>‹#›</a:t>
             </a:fld>
@@ -2438,7 +2438,7 @@
     </p:spTree>
     <p:extLst>
       <p:ext uri="{BB962C8B-B14F-4D97-AF65-F5344CB8AC3E}">
-        <p14:creationId xmlns:p14="http://schemas.microsoft.com/office/powerpoint/2010/main" val="581860722"/>
+        <p14:creationId xmlns:p14="http://schemas.microsoft.com/office/powerpoint/2010/main" val="987900136"/>
       </p:ext>
     </p:extLst>
   </p:cSld>
@@ -2470,7 +2470,7 @@
           <p:cNvPr id="2" name="标题 1">
             <a:extLst>
               <a:ext uri="{FF2B5EF4-FFF2-40B4-BE49-F238E27FC236}">
-                <a16:creationId xmlns:a16="http://schemas.microsoft.com/office/drawing/2014/main" id="{5C54A268-CF0C-F3FD-BA13-D28DD46A9955}"/>
+                <a16:creationId xmlns:a16="http://schemas.microsoft.com/office/drawing/2014/main" id="{C1361E1C-5317-7AAC-D394-0E61AEDE8137}"/>
               </a:ext>
             </a:extLst>
           </p:cNvPr>
@@ -2507,7 +2507,7 @@
           <p:cNvPr id="3" name="图片占位符 2">
             <a:extLst>
               <a:ext uri="{FF2B5EF4-FFF2-40B4-BE49-F238E27FC236}">
-                <a16:creationId xmlns:a16="http://schemas.microsoft.com/office/drawing/2014/main" id="{6A624069-C20E-149B-B881-34E833AAADE2}"/>
+                <a16:creationId xmlns:a16="http://schemas.microsoft.com/office/drawing/2014/main" id="{ACB1932F-7754-7ED2-76D7-38E2E2AFA529}"/>
               </a:ext>
             </a:extLst>
           </p:cNvPr>
@@ -2574,7 +2574,7 @@
           <p:cNvPr id="4" name="文本占位符 3">
             <a:extLst>
               <a:ext uri="{FF2B5EF4-FFF2-40B4-BE49-F238E27FC236}">
-                <a16:creationId xmlns:a16="http://schemas.microsoft.com/office/drawing/2014/main" id="{79C5252E-E800-B697-5066-97874936196B}"/>
+                <a16:creationId xmlns:a16="http://schemas.microsoft.com/office/drawing/2014/main" id="{36A28EE9-9A1E-8C08-4E19-536789A74C89}"/>
               </a:ext>
             </a:extLst>
           </p:cNvPr>
@@ -2645,7 +2645,7 @@
           <p:cNvPr id="5" name="日期占位符 4">
             <a:extLst>
               <a:ext uri="{FF2B5EF4-FFF2-40B4-BE49-F238E27FC236}">
-                <a16:creationId xmlns:a16="http://schemas.microsoft.com/office/drawing/2014/main" id="{D6CD459A-F882-EE3D-E134-C7EA718193DB}"/>
+                <a16:creationId xmlns:a16="http://schemas.microsoft.com/office/drawing/2014/main" id="{5FC1C9C1-0BDD-FF43-1CC8-9100E607FEEB}"/>
               </a:ext>
             </a:extLst>
           </p:cNvPr>
@@ -2661,7 +2661,7 @@
           <a:bodyPr/>
           <a:lstStyle/>
           <a:p>
-            <a:fld id="{E85A9079-7335-40C0-B445-033323E35E01}" type="datetimeFigureOut">
+            <a:fld id="{97AF6F00-0A96-4AEF-B3CF-30F070D3D45C}" type="datetimeFigureOut">
               <a:rPr lang="zh-CN" altLang="en-US" smtClean="0"/>
               <a:t>2024/3/10</a:t>
             </a:fld>
@@ -2674,7 +2674,7 @@
           <p:cNvPr id="6" name="页脚占位符 5">
             <a:extLst>
               <a:ext uri="{FF2B5EF4-FFF2-40B4-BE49-F238E27FC236}">
-                <a16:creationId xmlns:a16="http://schemas.microsoft.com/office/drawing/2014/main" id="{866F0B8F-43C7-C752-303A-85A6FF04F94F}"/>
+                <a16:creationId xmlns:a16="http://schemas.microsoft.com/office/drawing/2014/main" id="{E9D19649-2D9D-78BB-AAE7-3881458009F5}"/>
               </a:ext>
             </a:extLst>
           </p:cNvPr>
@@ -2699,7 +2699,7 @@
           <p:cNvPr id="7" name="灯片编号占位符 6">
             <a:extLst>
               <a:ext uri="{FF2B5EF4-FFF2-40B4-BE49-F238E27FC236}">
-                <a16:creationId xmlns:a16="http://schemas.microsoft.com/office/drawing/2014/main" id="{83C851C5-9B99-05D3-DF63-500B295BFE50}"/>
+                <a16:creationId xmlns:a16="http://schemas.microsoft.com/office/drawing/2014/main" id="{F23182A9-62D4-8036-9C44-62835C9AD8E5}"/>
               </a:ext>
             </a:extLst>
           </p:cNvPr>
@@ -2715,7 +2715,7 @@
           <a:bodyPr/>
           <a:lstStyle/>
           <a:p>
-            <a:fld id="{C4C84FFF-58E5-4D8B-B4F8-89C47982F34D}" type="slidenum">
+            <a:fld id="{153A4353-95B6-4B61-ACCA-D142893D0488}" type="slidenum">
               <a:rPr lang="zh-CN" altLang="en-US" smtClean="0"/>
               <a:t>‹#›</a:t>
             </a:fld>
@@ -2726,7 +2726,7 @@
     </p:spTree>
     <p:extLst>
       <p:ext uri="{BB962C8B-B14F-4D97-AF65-F5344CB8AC3E}">
-        <p14:creationId xmlns:p14="http://schemas.microsoft.com/office/powerpoint/2010/main" val="279787718"/>
+        <p14:creationId xmlns:p14="http://schemas.microsoft.com/office/powerpoint/2010/main" val="938850568"/>
       </p:ext>
     </p:extLst>
   </p:cSld>
@@ -2763,7 +2763,7 @@
           <p:cNvPr id="2" name="标题占位符 1">
             <a:extLst>
               <a:ext uri="{FF2B5EF4-FFF2-40B4-BE49-F238E27FC236}">
-                <a16:creationId xmlns:a16="http://schemas.microsoft.com/office/drawing/2014/main" id="{00FDBD2D-4401-28E9-0038-7A895D349F7D}"/>
+                <a16:creationId xmlns:a16="http://schemas.microsoft.com/office/drawing/2014/main" id="{F7588A46-E8FE-800C-C366-9C039BE68375}"/>
               </a:ext>
             </a:extLst>
           </p:cNvPr>
@@ -2801,7 +2801,7 @@
           <p:cNvPr id="3" name="文本占位符 2">
             <a:extLst>
               <a:ext uri="{FF2B5EF4-FFF2-40B4-BE49-F238E27FC236}">
-                <a16:creationId xmlns:a16="http://schemas.microsoft.com/office/drawing/2014/main" id="{94BC9568-494A-ADC3-43E0-6EDD96410B3C}"/>
+                <a16:creationId xmlns:a16="http://schemas.microsoft.com/office/drawing/2014/main" id="{6AF48DC0-4D0E-9B20-3E2A-FBEBA7C5D1E2}"/>
               </a:ext>
             </a:extLst>
           </p:cNvPr>
@@ -2868,7 +2868,7 @@
           <p:cNvPr id="4" name="日期占位符 3">
             <a:extLst>
               <a:ext uri="{FF2B5EF4-FFF2-40B4-BE49-F238E27FC236}">
-                <a16:creationId xmlns:a16="http://schemas.microsoft.com/office/drawing/2014/main" id="{68B12FD0-9113-0C9D-4A09-5A2F3A6A1085}"/>
+                <a16:creationId xmlns:a16="http://schemas.microsoft.com/office/drawing/2014/main" id="{13B9D445-9676-FF66-CAF5-CEB827516768}"/>
               </a:ext>
             </a:extLst>
           </p:cNvPr>
@@ -2902,7 +2902,7 @@
             </a:lvl1pPr>
           </a:lstStyle>
           <a:p>
-            <a:fld id="{E85A9079-7335-40C0-B445-033323E35E01}" type="datetimeFigureOut">
+            <a:fld id="{97AF6F00-0A96-4AEF-B3CF-30F070D3D45C}" type="datetimeFigureOut">
               <a:rPr lang="zh-CN" altLang="en-US" smtClean="0"/>
               <a:t>2024/3/10</a:t>
             </a:fld>
@@ -2915,7 +2915,7 @@
           <p:cNvPr id="5" name="页脚占位符 4">
             <a:extLst>
               <a:ext uri="{FF2B5EF4-FFF2-40B4-BE49-F238E27FC236}">
-                <a16:creationId xmlns:a16="http://schemas.microsoft.com/office/drawing/2014/main" id="{949C83DD-EC1A-905B-6444-F8F517257C32}"/>
+                <a16:creationId xmlns:a16="http://schemas.microsoft.com/office/drawing/2014/main" id="{B61AE4FC-5203-374F-FCF5-439276444928}"/>
               </a:ext>
             </a:extLst>
           </p:cNvPr>
@@ -2958,7 +2958,7 @@
           <p:cNvPr id="6" name="灯片编号占位符 5">
             <a:extLst>
               <a:ext uri="{FF2B5EF4-FFF2-40B4-BE49-F238E27FC236}">
-                <a16:creationId xmlns:a16="http://schemas.microsoft.com/office/drawing/2014/main" id="{BB591882-08D9-F571-2595-062D01F46064}"/>
+                <a16:creationId xmlns:a16="http://schemas.microsoft.com/office/drawing/2014/main" id="{4CCA4C15-FDC7-4E9C-897F-20C80DE022EF}"/>
               </a:ext>
             </a:extLst>
           </p:cNvPr>
@@ -2992,7 +2992,7 @@
             </a:lvl1pPr>
           </a:lstStyle>
           <a:p>
-            <a:fld id="{C4C84FFF-58E5-4D8B-B4F8-89C47982F34D}" type="slidenum">
+            <a:fld id="{153A4353-95B6-4B61-ACCA-D142893D0488}" type="slidenum">
               <a:rPr lang="zh-CN" altLang="en-US" smtClean="0"/>
               <a:t>‹#›</a:t>
             </a:fld>
@@ -3003,7 +3003,7 @@
     </p:spTree>
     <p:extLst>
       <p:ext uri="{BB962C8B-B14F-4D97-AF65-F5344CB8AC3E}">
-        <p14:creationId xmlns:p14="http://schemas.microsoft.com/office/powerpoint/2010/main" val="2920513305"/>
+        <p14:creationId xmlns:p14="http://schemas.microsoft.com/office/powerpoint/2010/main" val="2707736366"/>
       </p:ext>
     </p:extLst>
   </p:cSld>
@@ -3323,7 +3323,7 @@
       </p:grpSpPr>
       <p:pic>
         <p:nvPicPr>
-          <p:cNvPr id="1391618" name="Picture 2" descr="1358"/>
+          <p:cNvPr id="1392642" name="Picture 2" descr="1359"/>
           <p:cNvPicPr>
             <a:picLocks noChangeAspect="1" noChangeArrowheads="1"/>
           </p:cNvPicPr>
@@ -3344,8 +3344,8 @@
         </p:blipFill>
         <p:spPr bwMode="auto">
           <a:xfrm>
-            <a:off x="1524000" y="0"/>
-            <a:ext cx="9144000" cy="6859588"/>
+            <a:off x="1524000" y="1"/>
+            <a:ext cx="9144000" cy="4221163"/>
           </a:xfrm>
           <a:prstGeom prst="rect">
             <a:avLst/>
